--- a/slides/01-welcome.pptx
+++ b/slides/01-welcome.pptx
@@ -237,7 +237,7 @@
           <a:p>
             <a:fld id="{2DA3ADC8-0AFD-F647-904F-5290280CD8F0}" type="datetimeFigureOut">
               <a:rPr lang="en-US" smtClean="0"/>
-              <a:t>9/1/23</a:t>
+              <a:t>9/5/23</a:t>
             </a:fld>
             <a:endParaRPr lang="en-US"/>
           </a:p>
@@ -2815,7 +2815,7 @@
           <a:p>
             <a:fld id="{42BD1637-0D27-F54B-A3CE-C829B5942E2D}" type="datetimeFigureOut">
               <a:rPr lang="en-US" smtClean="0"/>
-              <a:t>9/1/23</a:t>
+              <a:t>9/5/23</a:t>
             </a:fld>
             <a:endParaRPr lang="en-US"/>
           </a:p>
@@ -2985,7 +2985,7 @@
           <a:p>
             <a:fld id="{42BD1637-0D27-F54B-A3CE-C829B5942E2D}" type="datetimeFigureOut">
               <a:rPr lang="en-US" smtClean="0"/>
-              <a:t>9/1/23</a:t>
+              <a:t>9/5/23</a:t>
             </a:fld>
             <a:endParaRPr lang="en-US"/>
           </a:p>
@@ -3165,7 +3165,7 @@
           <a:p>
             <a:fld id="{42BD1637-0D27-F54B-A3CE-C829B5942E2D}" type="datetimeFigureOut">
               <a:rPr lang="en-US" smtClean="0"/>
-              <a:t>9/1/23</a:t>
+              <a:t>9/5/23</a:t>
             </a:fld>
             <a:endParaRPr lang="en-US"/>
           </a:p>
@@ -3335,7 +3335,7 @@
           <a:p>
             <a:fld id="{42BD1637-0D27-F54B-A3CE-C829B5942E2D}" type="datetimeFigureOut">
               <a:rPr lang="en-US" smtClean="0"/>
-              <a:t>9/1/23</a:t>
+              <a:t>9/5/23</a:t>
             </a:fld>
             <a:endParaRPr lang="en-US"/>
           </a:p>
@@ -3589,7 +3589,7 @@
           <a:p>
             <a:fld id="{42BD1637-0D27-F54B-A3CE-C829B5942E2D}" type="datetimeFigureOut">
               <a:rPr lang="en-US" smtClean="0"/>
-              <a:t>9/1/23</a:t>
+              <a:t>9/5/23</a:t>
             </a:fld>
             <a:endParaRPr lang="en-US"/>
           </a:p>
@@ -3877,7 +3877,7 @@
           <a:p>
             <a:fld id="{42BD1637-0D27-F54B-A3CE-C829B5942E2D}" type="datetimeFigureOut">
               <a:rPr lang="en-US" smtClean="0"/>
-              <a:t>9/1/23</a:t>
+              <a:t>9/5/23</a:t>
             </a:fld>
             <a:endParaRPr lang="en-US"/>
           </a:p>
@@ -4319,7 +4319,7 @@
           <a:p>
             <a:fld id="{42BD1637-0D27-F54B-A3CE-C829B5942E2D}" type="datetimeFigureOut">
               <a:rPr lang="en-US" smtClean="0"/>
-              <a:t>9/1/23</a:t>
+              <a:t>9/5/23</a:t>
             </a:fld>
             <a:endParaRPr lang="en-US"/>
           </a:p>
@@ -4437,7 +4437,7 @@
           <a:p>
             <a:fld id="{42BD1637-0D27-F54B-A3CE-C829B5942E2D}" type="datetimeFigureOut">
               <a:rPr lang="en-US" smtClean="0"/>
-              <a:t>9/1/23</a:t>
+              <a:t>9/5/23</a:t>
             </a:fld>
             <a:endParaRPr lang="en-US"/>
           </a:p>
@@ -4532,7 +4532,7 @@
           <a:p>
             <a:fld id="{42BD1637-0D27-F54B-A3CE-C829B5942E2D}" type="datetimeFigureOut">
               <a:rPr lang="en-US" smtClean="0"/>
-              <a:t>9/1/23</a:t>
+              <a:t>9/5/23</a:t>
             </a:fld>
             <a:endParaRPr lang="en-US"/>
           </a:p>
@@ -4820,7 +4820,7 @@
           <a:p>
             <a:fld id="{42BD1637-0D27-F54B-A3CE-C829B5942E2D}" type="datetimeFigureOut">
               <a:rPr lang="en-US" smtClean="0"/>
-              <a:t>9/1/23</a:t>
+              <a:t>9/5/23</a:t>
             </a:fld>
             <a:endParaRPr lang="en-US"/>
           </a:p>
@@ -5093,7 +5093,7 @@
           <a:p>
             <a:fld id="{42BD1637-0D27-F54B-A3CE-C829B5942E2D}" type="datetimeFigureOut">
               <a:rPr lang="en-US" smtClean="0"/>
-              <a:t>9/1/23</a:t>
+              <a:t>9/5/23</a:t>
             </a:fld>
             <a:endParaRPr lang="en-US"/>
           </a:p>
@@ -5390,7 +5390,7 @@
           <a:p>
             <a:fld id="{42BD1637-0D27-F54B-A3CE-C829B5942E2D}" type="datetimeFigureOut">
               <a:rPr lang="en-US" smtClean="0"/>
-              <a:t>9/1/23</a:t>
+              <a:t>9/5/23</a:t>
             </a:fld>
             <a:endParaRPr lang="en-US"/>
           </a:p>
@@ -6241,7 +6241,15 @@
           <a:p>
             <a:r>
               <a:rPr lang="en-US" sz="3200" dirty="0"/>
-              <a:t>OH’s: T/R 11:30 – 13:30 (stop by and say hi!)  </a:t>
+              <a:t>OH’s: T/R 11:30 – 13:30 (stop by and say hi!) </a:t>
+            </a:r>
+            <a:r>
+              <a:rPr lang="en-US" sz="3200" dirty="0">
+                <a:solidFill>
+                  <a:srgbClr val="C00000"/>
+                </a:solidFill>
+              </a:rPr>
+              <a:t>**starting NEXT week** </a:t>
             </a:r>
           </a:p>
         </p:txBody>

--- a/slides/01-welcome.pptx
+++ b/slides/01-welcome.pptx
@@ -6389,7 +6389,7 @@
           <a:p>
             <a:pPr lvl="1"/>
             <a:r>
-              <a:rPr lang="en-US" sz="3800" b="0" i="0">
+              <a:rPr lang="en-US" sz="3800" b="0" i="0" dirty="0">
                 <a:effectLst/>
               </a:rPr>
               <a:t>Turn in on PLATO</a:t>
@@ -6398,7 +6398,7 @@
           <a:p>
             <a:pPr lvl="1"/>
             <a:r>
-              <a:rPr lang="en-US" sz="3800"/>
+              <a:rPr lang="en-US" sz="3800" dirty="0" err="1"/>
               <a:t>Homeworks</a:t>
             </a:r>
             <a:r>
